--- a/Live04/javascript_array_funcao.pptx
+++ b/Live04/javascript_array_funcao.pptx
@@ -5,19 +5,19 @@
     <p:sldMasterId id="2147483648" r:id="rId1"/>
   </p:sldMasterIdLst>
   <p:sldIdLst>
-    <p:sldId id="256" r:id="rId3"/>
-    <p:sldId id="257" r:id="rId4"/>
-    <p:sldId id="280" r:id="rId5"/>
-    <p:sldId id="281" r:id="rId6"/>
-    <p:sldId id="282" r:id="rId7"/>
-    <p:sldId id="283" r:id="rId8"/>
-    <p:sldId id="284" r:id="rId9"/>
-    <p:sldId id="285" r:id="rId10"/>
-    <p:sldId id="287" r:id="rId11"/>
-    <p:sldId id="288" r:id="rId12"/>
-    <p:sldId id="289" r:id="rId13"/>
-    <p:sldId id="290" r:id="rId14"/>
-    <p:sldId id="291" r:id="rId15"/>
+    <p:sldId id="256" r:id="rId2"/>
+    <p:sldId id="257" r:id="rId3"/>
+    <p:sldId id="280" r:id="rId4"/>
+    <p:sldId id="281" r:id="rId5"/>
+    <p:sldId id="282" r:id="rId6"/>
+    <p:sldId id="283" r:id="rId7"/>
+    <p:sldId id="284" r:id="rId8"/>
+    <p:sldId id="285" r:id="rId9"/>
+    <p:sldId id="287" r:id="rId10"/>
+    <p:sldId id="288" r:id="rId11"/>
+    <p:sldId id="289" r:id="rId12"/>
+    <p:sldId id="290" r:id="rId13"/>
+    <p:sldId id="291" r:id="rId14"/>
   </p:sldIdLst>
   <p:sldSz cx="12192000" cy="6858000"/>
   <p:notesSz cx="6858000" cy="9144000"/>
@@ -116,6 +116,11 @@
       </a:defRPr>
     </a:lvl9pPr>
   </p:defaultTextStyle>
+  <p:extLst>
+    <p:ext uri="{EFAFB233-063F-42B5-8137-9DF3F51BA10A}">
+      <p15:sldGuideLst xmlns:p15="http://schemas.microsoft.com/office/powerpoint/2012/main"/>
+    </p:ext>
+  </p:extLst>
 </p:presentation>
 </file>
 
@@ -164,7 +169,6 @@
               <a:rPr lang="en-US"/>
               <a:t>Click to edit Master title style</a:t>
             </a:r>
-            <a:endParaRPr lang="en-US"/>
           </a:p>
         </p:txBody>
       </p:sp>
@@ -229,7 +233,6 @@
               <a:rPr lang="en-US"/>
               <a:t>Click to edit Master subtitle style</a:t>
             </a:r>
-            <a:endParaRPr lang="en-US"/>
           </a:p>
         </p:txBody>
       </p:sp>
@@ -250,6 +253,7 @@
           <a:p>
             <a:fld id="{63A1C593-65D0-4073-BCC9-577B9352EA97}" type="datetimeFigureOut">
               <a:rPr lang="en-US" smtClean="0"/>
+              <a:t>5/16/2020</a:t>
             </a:fld>
             <a:endParaRPr lang="en-US"/>
           </a:p>
@@ -291,6 +295,7 @@
           <a:p>
             <a:fld id="{9B618960-8005-486C-9A75-10CB2AAC16F9}" type="slidenum">
               <a:rPr lang="en-US" smtClean="0"/>
+              <a:t>‹nº›</a:t>
             </a:fld>
             <a:endParaRPr lang="en-US"/>
           </a:p>
@@ -340,7 +345,6 @@
               <a:rPr lang="en-US"/>
               <a:t>Click to edit Master title style</a:t>
             </a:r>
-            <a:endParaRPr lang="en-US"/>
           </a:p>
         </p:txBody>
       </p:sp>
@@ -364,7 +368,6 @@
               <a:rPr lang="en-US"/>
               <a:t>Click to edit Master text styles</a:t>
             </a:r>
-            <a:endParaRPr lang="en-US"/>
           </a:p>
           <a:p>
             <a:pPr lvl="1"/>
@@ -372,7 +375,6 @@
               <a:rPr lang="en-US"/>
               <a:t>Second level</a:t>
             </a:r>
-            <a:endParaRPr lang="en-US"/>
           </a:p>
           <a:p>
             <a:pPr lvl="2"/>
@@ -380,7 +382,6 @@
               <a:rPr lang="en-US"/>
               <a:t>Third level</a:t>
             </a:r>
-            <a:endParaRPr lang="en-US"/>
           </a:p>
           <a:p>
             <a:pPr lvl="3"/>
@@ -388,7 +389,6 @@
               <a:rPr lang="en-US"/>
               <a:t>Fourth level</a:t>
             </a:r>
-            <a:endParaRPr lang="en-US"/>
           </a:p>
           <a:p>
             <a:pPr lvl="4"/>
@@ -396,7 +396,6 @@
               <a:rPr lang="en-US"/>
               <a:t>Fifth level</a:t>
             </a:r>
-            <a:endParaRPr lang="en-US"/>
           </a:p>
         </p:txBody>
       </p:sp>
@@ -417,6 +416,7 @@
           <a:p>
             <a:fld id="{63A1C593-65D0-4073-BCC9-577B9352EA97}" type="datetimeFigureOut">
               <a:rPr lang="en-US" smtClean="0"/>
+              <a:t>5/16/2020</a:t>
             </a:fld>
             <a:endParaRPr lang="en-US"/>
           </a:p>
@@ -458,6 +458,7 @@
           <a:p>
             <a:fld id="{9B618960-8005-486C-9A75-10CB2AAC16F9}" type="slidenum">
               <a:rPr lang="en-US" smtClean="0"/>
+              <a:t>‹nº›</a:t>
             </a:fld>
             <a:endParaRPr lang="en-US"/>
           </a:p>
@@ -512,7 +513,6 @@
               <a:rPr lang="en-US"/>
               <a:t>Click to edit Master title style</a:t>
             </a:r>
-            <a:endParaRPr lang="en-US"/>
           </a:p>
         </p:txBody>
       </p:sp>
@@ -541,7 +541,6 @@
               <a:rPr lang="en-US"/>
               <a:t>Click to edit Master text styles</a:t>
             </a:r>
-            <a:endParaRPr lang="en-US"/>
           </a:p>
           <a:p>
             <a:pPr lvl="1"/>
@@ -549,7 +548,6 @@
               <a:rPr lang="en-US"/>
               <a:t>Second level</a:t>
             </a:r>
-            <a:endParaRPr lang="en-US"/>
           </a:p>
           <a:p>
             <a:pPr lvl="2"/>
@@ -557,7 +555,6 @@
               <a:rPr lang="en-US"/>
               <a:t>Third level</a:t>
             </a:r>
-            <a:endParaRPr lang="en-US"/>
           </a:p>
           <a:p>
             <a:pPr lvl="3"/>
@@ -565,7 +562,6 @@
               <a:rPr lang="en-US"/>
               <a:t>Fourth level</a:t>
             </a:r>
-            <a:endParaRPr lang="en-US"/>
           </a:p>
           <a:p>
             <a:pPr lvl="4"/>
@@ -573,7 +569,6 @@
               <a:rPr lang="en-US"/>
               <a:t>Fifth level</a:t>
             </a:r>
-            <a:endParaRPr lang="en-US"/>
           </a:p>
         </p:txBody>
       </p:sp>
@@ -594,6 +589,7 @@
           <a:p>
             <a:fld id="{63A1C593-65D0-4073-BCC9-577B9352EA97}" type="datetimeFigureOut">
               <a:rPr lang="en-US" smtClean="0"/>
+              <a:t>5/16/2020</a:t>
             </a:fld>
             <a:endParaRPr lang="en-US"/>
           </a:p>
@@ -635,6 +631,7 @@
           <a:p>
             <a:fld id="{9B618960-8005-486C-9A75-10CB2AAC16F9}" type="slidenum">
               <a:rPr lang="en-US" smtClean="0"/>
+              <a:t>‹nº›</a:t>
             </a:fld>
             <a:endParaRPr lang="en-US"/>
           </a:p>
@@ -684,7 +681,6 @@
               <a:rPr lang="en-US"/>
               <a:t>Click to edit Master title style</a:t>
             </a:r>
-            <a:endParaRPr lang="en-US"/>
           </a:p>
         </p:txBody>
       </p:sp>
@@ -708,7 +704,6 @@
               <a:rPr lang="en-US"/>
               <a:t>Click to edit Master text styles</a:t>
             </a:r>
-            <a:endParaRPr lang="en-US"/>
           </a:p>
           <a:p>
             <a:pPr lvl="1"/>
@@ -716,7 +711,6 @@
               <a:rPr lang="en-US"/>
               <a:t>Second level</a:t>
             </a:r>
-            <a:endParaRPr lang="en-US"/>
           </a:p>
           <a:p>
             <a:pPr lvl="2"/>
@@ -724,7 +718,6 @@
               <a:rPr lang="en-US"/>
               <a:t>Third level</a:t>
             </a:r>
-            <a:endParaRPr lang="en-US"/>
           </a:p>
           <a:p>
             <a:pPr lvl="3"/>
@@ -732,7 +725,6 @@
               <a:rPr lang="en-US"/>
               <a:t>Fourth level</a:t>
             </a:r>
-            <a:endParaRPr lang="en-US"/>
           </a:p>
           <a:p>
             <a:pPr lvl="4"/>
@@ -740,7 +732,6 @@
               <a:rPr lang="en-US"/>
               <a:t>Fifth level</a:t>
             </a:r>
-            <a:endParaRPr lang="en-US"/>
           </a:p>
         </p:txBody>
       </p:sp>
@@ -761,6 +752,7 @@
           <a:p>
             <a:fld id="{63A1C593-65D0-4073-BCC9-577B9352EA97}" type="datetimeFigureOut">
               <a:rPr lang="en-US" smtClean="0"/>
+              <a:t>5/16/2020</a:t>
             </a:fld>
             <a:endParaRPr lang="en-US"/>
           </a:p>
@@ -802,6 +794,7 @@
           <a:p>
             <a:fld id="{9B618960-8005-486C-9A75-10CB2AAC16F9}" type="slidenum">
               <a:rPr lang="en-US" smtClean="0"/>
+              <a:t>‹nº›</a:t>
             </a:fld>
             <a:endParaRPr lang="en-US"/>
           </a:p>
@@ -860,7 +853,6 @@
               <a:rPr lang="en-US"/>
               <a:t>Click to edit Master title style</a:t>
             </a:r>
-            <a:endParaRPr lang="en-US"/>
           </a:p>
         </p:txBody>
       </p:sp>
@@ -980,7 +972,6 @@
               <a:rPr lang="en-US"/>
               <a:t>Click to edit Master text styles</a:t>
             </a:r>
-            <a:endParaRPr lang="en-US"/>
           </a:p>
         </p:txBody>
       </p:sp>
@@ -1001,6 +992,7 @@
           <a:p>
             <a:fld id="{63A1C593-65D0-4073-BCC9-577B9352EA97}" type="datetimeFigureOut">
               <a:rPr lang="en-US" smtClean="0"/>
+              <a:t>5/16/2020</a:t>
             </a:fld>
             <a:endParaRPr lang="en-US"/>
           </a:p>
@@ -1042,6 +1034,7 @@
           <a:p>
             <a:fld id="{9B618960-8005-486C-9A75-10CB2AAC16F9}" type="slidenum">
               <a:rPr lang="en-US" smtClean="0"/>
+              <a:t>‹nº›</a:t>
             </a:fld>
             <a:endParaRPr lang="en-US"/>
           </a:p>
@@ -1091,7 +1084,6 @@
               <a:rPr lang="en-US"/>
               <a:t>Click to edit Master title style</a:t>
             </a:r>
-            <a:endParaRPr lang="en-US"/>
           </a:p>
         </p:txBody>
       </p:sp>
@@ -1120,7 +1112,6 @@
               <a:rPr lang="en-US"/>
               <a:t>Click to edit Master text styles</a:t>
             </a:r>
-            <a:endParaRPr lang="en-US"/>
           </a:p>
           <a:p>
             <a:pPr lvl="1"/>
@@ -1128,7 +1119,6 @@
               <a:rPr lang="en-US"/>
               <a:t>Second level</a:t>
             </a:r>
-            <a:endParaRPr lang="en-US"/>
           </a:p>
           <a:p>
             <a:pPr lvl="2"/>
@@ -1136,7 +1126,6 @@
               <a:rPr lang="en-US"/>
               <a:t>Third level</a:t>
             </a:r>
-            <a:endParaRPr lang="en-US"/>
           </a:p>
           <a:p>
             <a:pPr lvl="3"/>
@@ -1144,7 +1133,6 @@
               <a:rPr lang="en-US"/>
               <a:t>Fourth level</a:t>
             </a:r>
-            <a:endParaRPr lang="en-US"/>
           </a:p>
           <a:p>
             <a:pPr lvl="4"/>
@@ -1152,7 +1140,6 @@
               <a:rPr lang="en-US"/>
               <a:t>Fifth level</a:t>
             </a:r>
-            <a:endParaRPr lang="en-US"/>
           </a:p>
         </p:txBody>
       </p:sp>
@@ -1181,7 +1168,6 @@
               <a:rPr lang="en-US"/>
               <a:t>Click to edit Master text styles</a:t>
             </a:r>
-            <a:endParaRPr lang="en-US"/>
           </a:p>
           <a:p>
             <a:pPr lvl="1"/>
@@ -1189,7 +1175,6 @@
               <a:rPr lang="en-US"/>
               <a:t>Second level</a:t>
             </a:r>
-            <a:endParaRPr lang="en-US"/>
           </a:p>
           <a:p>
             <a:pPr lvl="2"/>
@@ -1197,7 +1182,6 @@
               <a:rPr lang="en-US"/>
               <a:t>Third level</a:t>
             </a:r>
-            <a:endParaRPr lang="en-US"/>
           </a:p>
           <a:p>
             <a:pPr lvl="3"/>
@@ -1205,7 +1189,6 @@
               <a:rPr lang="en-US"/>
               <a:t>Fourth level</a:t>
             </a:r>
-            <a:endParaRPr lang="en-US"/>
           </a:p>
           <a:p>
             <a:pPr lvl="4"/>
@@ -1213,7 +1196,6 @@
               <a:rPr lang="en-US"/>
               <a:t>Fifth level</a:t>
             </a:r>
-            <a:endParaRPr lang="en-US"/>
           </a:p>
         </p:txBody>
       </p:sp>
@@ -1234,6 +1216,7 @@
           <a:p>
             <a:fld id="{63A1C593-65D0-4073-BCC9-577B9352EA97}" type="datetimeFigureOut">
               <a:rPr lang="en-US" smtClean="0"/>
+              <a:t>5/16/2020</a:t>
             </a:fld>
             <a:endParaRPr lang="en-US"/>
           </a:p>
@@ -1275,6 +1258,7 @@
           <a:p>
             <a:fld id="{9B618960-8005-486C-9A75-10CB2AAC16F9}" type="slidenum">
               <a:rPr lang="en-US" smtClean="0"/>
+              <a:t>‹nº›</a:t>
             </a:fld>
             <a:endParaRPr lang="en-US"/>
           </a:p>
@@ -1329,7 +1313,6 @@
               <a:rPr lang="en-US"/>
               <a:t>Click to edit Master title style</a:t>
             </a:r>
-            <a:endParaRPr lang="en-US"/>
           </a:p>
         </p:txBody>
       </p:sp>
@@ -1395,7 +1378,6 @@
               <a:rPr lang="en-US"/>
               <a:t>Click to edit Master text styles</a:t>
             </a:r>
-            <a:endParaRPr lang="en-US"/>
           </a:p>
         </p:txBody>
       </p:sp>
@@ -1424,7 +1406,6 @@
               <a:rPr lang="en-US"/>
               <a:t>Click to edit Master text styles</a:t>
             </a:r>
-            <a:endParaRPr lang="en-US"/>
           </a:p>
           <a:p>
             <a:pPr lvl="1"/>
@@ -1432,7 +1413,6 @@
               <a:rPr lang="en-US"/>
               <a:t>Second level</a:t>
             </a:r>
-            <a:endParaRPr lang="en-US"/>
           </a:p>
           <a:p>
             <a:pPr lvl="2"/>
@@ -1440,7 +1420,6 @@
               <a:rPr lang="en-US"/>
               <a:t>Third level</a:t>
             </a:r>
-            <a:endParaRPr lang="en-US"/>
           </a:p>
           <a:p>
             <a:pPr lvl="3"/>
@@ -1448,7 +1427,6 @@
               <a:rPr lang="en-US"/>
               <a:t>Fourth level</a:t>
             </a:r>
-            <a:endParaRPr lang="en-US"/>
           </a:p>
           <a:p>
             <a:pPr lvl="4"/>
@@ -1456,7 +1434,6 @@
               <a:rPr lang="en-US"/>
               <a:t>Fifth level</a:t>
             </a:r>
-            <a:endParaRPr lang="en-US"/>
           </a:p>
         </p:txBody>
       </p:sp>
@@ -1522,7 +1499,6 @@
               <a:rPr lang="en-US"/>
               <a:t>Click to edit Master text styles</a:t>
             </a:r>
-            <a:endParaRPr lang="en-US"/>
           </a:p>
         </p:txBody>
       </p:sp>
@@ -1551,7 +1527,6 @@
               <a:rPr lang="en-US"/>
               <a:t>Click to edit Master text styles</a:t>
             </a:r>
-            <a:endParaRPr lang="en-US"/>
           </a:p>
           <a:p>
             <a:pPr lvl="1"/>
@@ -1559,7 +1534,6 @@
               <a:rPr lang="en-US"/>
               <a:t>Second level</a:t>
             </a:r>
-            <a:endParaRPr lang="en-US"/>
           </a:p>
           <a:p>
             <a:pPr lvl="2"/>
@@ -1567,7 +1541,6 @@
               <a:rPr lang="en-US"/>
               <a:t>Third level</a:t>
             </a:r>
-            <a:endParaRPr lang="en-US"/>
           </a:p>
           <a:p>
             <a:pPr lvl="3"/>
@@ -1575,7 +1548,6 @@
               <a:rPr lang="en-US"/>
               <a:t>Fourth level</a:t>
             </a:r>
-            <a:endParaRPr lang="en-US"/>
           </a:p>
           <a:p>
             <a:pPr lvl="4"/>
@@ -1583,7 +1555,6 @@
               <a:rPr lang="en-US"/>
               <a:t>Fifth level</a:t>
             </a:r>
-            <a:endParaRPr lang="en-US"/>
           </a:p>
         </p:txBody>
       </p:sp>
@@ -1604,6 +1575,7 @@
           <a:p>
             <a:fld id="{63A1C593-65D0-4073-BCC9-577B9352EA97}" type="datetimeFigureOut">
               <a:rPr lang="en-US" smtClean="0"/>
+              <a:t>5/16/2020</a:t>
             </a:fld>
             <a:endParaRPr lang="en-US"/>
           </a:p>
@@ -1645,6 +1617,7 @@
           <a:p>
             <a:fld id="{9B618960-8005-486C-9A75-10CB2AAC16F9}" type="slidenum">
               <a:rPr lang="en-US" smtClean="0"/>
+              <a:t>‹nº›</a:t>
             </a:fld>
             <a:endParaRPr lang="en-US"/>
           </a:p>
@@ -1694,7 +1667,6 @@
               <a:rPr lang="en-US"/>
               <a:t>Click to edit Master title style</a:t>
             </a:r>
-            <a:endParaRPr lang="en-US"/>
           </a:p>
         </p:txBody>
       </p:sp>
@@ -1715,6 +1687,7 @@
           <a:p>
             <a:fld id="{63A1C593-65D0-4073-BCC9-577B9352EA97}" type="datetimeFigureOut">
               <a:rPr lang="en-US" smtClean="0"/>
+              <a:t>5/16/2020</a:t>
             </a:fld>
             <a:endParaRPr lang="en-US"/>
           </a:p>
@@ -1756,6 +1729,7 @@
           <a:p>
             <a:fld id="{9B618960-8005-486C-9A75-10CB2AAC16F9}" type="slidenum">
               <a:rPr lang="en-US" smtClean="0"/>
+              <a:t>‹nº›</a:t>
             </a:fld>
             <a:endParaRPr lang="en-US"/>
           </a:p>
@@ -1803,6 +1777,7 @@
           <a:p>
             <a:fld id="{63A1C593-65D0-4073-BCC9-577B9352EA97}" type="datetimeFigureOut">
               <a:rPr lang="en-US" smtClean="0"/>
+              <a:t>5/16/2020</a:t>
             </a:fld>
             <a:endParaRPr lang="en-US"/>
           </a:p>
@@ -1844,6 +1819,7 @@
           <a:p>
             <a:fld id="{9B618960-8005-486C-9A75-10CB2AAC16F9}" type="slidenum">
               <a:rPr lang="en-US" smtClean="0"/>
+              <a:t>‹nº›</a:t>
             </a:fld>
             <a:endParaRPr lang="en-US"/>
           </a:p>
@@ -1902,7 +1878,6 @@
               <a:rPr lang="en-US"/>
               <a:t>Click to edit Master title style</a:t>
             </a:r>
-            <a:endParaRPr lang="en-US"/>
           </a:p>
         </p:txBody>
       </p:sp>
@@ -1959,7 +1934,6 @@
               <a:rPr lang="en-US"/>
               <a:t>Click to edit Master text styles</a:t>
             </a:r>
-            <a:endParaRPr lang="en-US"/>
           </a:p>
           <a:p>
             <a:pPr lvl="1"/>
@@ -1967,7 +1941,6 @@
               <a:rPr lang="en-US"/>
               <a:t>Second level</a:t>
             </a:r>
-            <a:endParaRPr lang="en-US"/>
           </a:p>
           <a:p>
             <a:pPr lvl="2"/>
@@ -1975,7 +1948,6 @@
               <a:rPr lang="en-US"/>
               <a:t>Third level</a:t>
             </a:r>
-            <a:endParaRPr lang="en-US"/>
           </a:p>
           <a:p>
             <a:pPr lvl="3"/>
@@ -1983,7 +1955,6 @@
               <a:rPr lang="en-US"/>
               <a:t>Fourth level</a:t>
             </a:r>
-            <a:endParaRPr lang="en-US"/>
           </a:p>
           <a:p>
             <a:pPr lvl="4"/>
@@ -1991,7 +1962,6 @@
               <a:rPr lang="en-US"/>
               <a:t>Fifth level</a:t>
             </a:r>
-            <a:endParaRPr lang="en-US"/>
           </a:p>
         </p:txBody>
       </p:sp>
@@ -2057,7 +2027,6 @@
               <a:rPr lang="en-US"/>
               <a:t>Click to edit Master text styles</a:t>
             </a:r>
-            <a:endParaRPr lang="en-US"/>
           </a:p>
         </p:txBody>
       </p:sp>
@@ -2078,6 +2047,7 @@
           <a:p>
             <a:fld id="{63A1C593-65D0-4073-BCC9-577B9352EA97}" type="datetimeFigureOut">
               <a:rPr lang="en-US" smtClean="0"/>
+              <a:t>5/16/2020</a:t>
             </a:fld>
             <a:endParaRPr lang="en-US"/>
           </a:p>
@@ -2119,6 +2089,7 @@
           <a:p>
             <a:fld id="{9B618960-8005-486C-9A75-10CB2AAC16F9}" type="slidenum">
               <a:rPr lang="en-US" smtClean="0"/>
+              <a:t>‹nº›</a:t>
             </a:fld>
             <a:endParaRPr lang="en-US"/>
           </a:p>
@@ -2177,7 +2148,6 @@
               <a:rPr lang="en-US"/>
               <a:t>Click to edit Master title style</a:t>
             </a:r>
-            <a:endParaRPr lang="en-US"/>
           </a:p>
         </p:txBody>
       </p:sp>
@@ -2304,7 +2274,6 @@
               <a:rPr lang="en-US"/>
               <a:t>Click to edit Master text styles</a:t>
             </a:r>
-            <a:endParaRPr lang="en-US"/>
           </a:p>
         </p:txBody>
       </p:sp>
@@ -2325,6 +2294,7 @@
           <a:p>
             <a:fld id="{63A1C593-65D0-4073-BCC9-577B9352EA97}" type="datetimeFigureOut">
               <a:rPr lang="en-US" smtClean="0"/>
+              <a:t>5/16/2020</a:t>
             </a:fld>
             <a:endParaRPr lang="en-US"/>
           </a:p>
@@ -2366,6 +2336,7 @@
           <a:p>
             <a:fld id="{9B618960-8005-486C-9A75-10CB2AAC16F9}" type="slidenum">
               <a:rPr lang="en-US" smtClean="0"/>
+              <a:t>‹nº›</a:t>
             </a:fld>
             <a:endParaRPr lang="en-US"/>
           </a:p>
@@ -2430,7 +2401,6 @@
               <a:rPr lang="en-US"/>
               <a:t>Click to edit Master title style</a:t>
             </a:r>
-            <a:endParaRPr lang="en-US"/>
           </a:p>
         </p:txBody>
       </p:sp>
@@ -2464,7 +2434,6 @@
               <a:rPr lang="en-US"/>
               <a:t>Click to edit Master text styles</a:t>
             </a:r>
-            <a:endParaRPr lang="en-US"/>
           </a:p>
           <a:p>
             <a:pPr lvl="1"/>
@@ -2472,7 +2441,6 @@
               <a:rPr lang="en-US"/>
               <a:t>Second level</a:t>
             </a:r>
-            <a:endParaRPr lang="en-US"/>
           </a:p>
           <a:p>
             <a:pPr lvl="2"/>
@@ -2480,7 +2448,6 @@
               <a:rPr lang="en-US"/>
               <a:t>Third level</a:t>
             </a:r>
-            <a:endParaRPr lang="en-US"/>
           </a:p>
           <a:p>
             <a:pPr lvl="3"/>
@@ -2488,7 +2455,6 @@
               <a:rPr lang="en-US"/>
               <a:t>Fourth level</a:t>
             </a:r>
-            <a:endParaRPr lang="en-US"/>
           </a:p>
           <a:p>
             <a:pPr lvl="4"/>
@@ -2496,7 +2462,6 @@
               <a:rPr lang="en-US"/>
               <a:t>Fifth level</a:t>
             </a:r>
-            <a:endParaRPr lang="en-US"/>
           </a:p>
         </p:txBody>
       </p:sp>
@@ -2535,6 +2500,7 @@
           <a:p>
             <a:fld id="{63A1C593-65D0-4073-BCC9-577B9352EA97}" type="datetimeFigureOut">
               <a:rPr lang="en-US" smtClean="0"/>
+              <a:t>5/16/2020</a:t>
             </a:fld>
             <a:endParaRPr lang="en-US"/>
           </a:p>
@@ -2612,6 +2578,7 @@
           <a:p>
             <a:fld id="{9B618960-8005-486C-9A75-10CB2AAC16F9}" type="slidenum">
               <a:rPr lang="en-US" smtClean="0"/>
+              <a:t>‹nº›</a:t>
             </a:fld>
             <a:endParaRPr lang="en-US"/>
           </a:p>
@@ -2980,7 +2947,7 @@
           <p:nvPr/>
         </p:nvPicPr>
         <p:blipFill>
-          <a:blip r:embed="rId1"/>
+          <a:blip r:embed="rId2"/>
           <a:stretch>
             <a:fillRect/>
           </a:stretch>
@@ -3044,7 +3011,6 @@
               <a:rPr lang="pt-BR" dirty="0"/>
               <a:t>Função</a:t>
             </a:r>
-            <a:endParaRPr lang="pt-BR" dirty="0"/>
           </a:p>
         </p:txBody>
       </p:sp>
@@ -3059,7 +3025,7 @@
           </p:nvPr>
         </p:nvPicPr>
         <p:blipFill>
-          <a:blip r:embed="rId1"/>
+          <a:blip r:embed="rId2"/>
           <a:stretch>
             <a:fillRect/>
           </a:stretch>
@@ -3104,10 +3070,9 @@
               <a:buChar char="•"/>
             </a:pPr>
             <a:r>
-              <a:rPr lang="pt-BR" altLang="en-US"/>
+              <a:rPr lang="pt-BR" altLang="en-US" dirty="0"/>
               <a:t>Diferentes tipos de funções</a:t>
             </a:r>
-            <a:endParaRPr lang="pt-BR" altLang="en-US"/>
           </a:p>
           <a:p>
             <a:pPr marL="1200150" lvl="2" indent="-285750">
@@ -3118,10 +3083,17 @@
               <a:buChar char="•"/>
             </a:pPr>
             <a:r>
-              <a:rPr lang="pt-BR" altLang="en-US"/>
-              <a:t>Arrow function - função de seta;</a:t>
-            </a:r>
-            <a:endParaRPr lang="pt-BR" altLang="en-US"/>
+              <a:rPr lang="pt-BR" altLang="en-US" dirty="0"/>
+              <a:t>Arrow </a:t>
+            </a:r>
+            <a:r>
+              <a:rPr lang="pt-BR" altLang="en-US" dirty="0" err="1"/>
+              <a:t>function</a:t>
+            </a:r>
+            <a:r>
+              <a:rPr lang="pt-BR" altLang="en-US" dirty="0"/>
+              <a:t> - função de seta;</a:t>
+            </a:r>
           </a:p>
           <a:p>
             <a:pPr marL="1200150" lvl="2" indent="-285750">
@@ -3132,10 +3104,14 @@
               <a:buChar char="•"/>
             </a:pPr>
             <a:r>
-              <a:rPr lang="pt-BR" altLang="en-US"/>
-              <a:t>É uma evolução de uma função anonima</a:t>
-            </a:r>
-            <a:endParaRPr lang="pt-BR" altLang="en-US"/>
+              <a:rPr lang="pt-BR" altLang="en-US" dirty="0"/>
+              <a:t>É uma evolução de uma função </a:t>
+            </a:r>
+            <a:r>
+              <a:rPr lang="pt-BR" altLang="en-US" dirty="0" err="1"/>
+              <a:t>anonima</a:t>
+            </a:r>
+            <a:endParaRPr lang="pt-BR" altLang="en-US" dirty="0"/>
           </a:p>
           <a:p>
             <a:pPr marL="1200150" lvl="2" indent="-285750">
@@ -3145,7 +3121,7 @@
               <a:buFont typeface="Arial" panose="020B0604020202020204" pitchFamily="34" charset="0"/>
               <a:buChar char="•"/>
             </a:pPr>
-            <a:endParaRPr lang="pt-BR" altLang="en-US"/>
+            <a:endParaRPr lang="pt-BR" altLang="en-US" dirty="0"/>
           </a:p>
           <a:p>
             <a:pPr marL="1200150" lvl="2" indent="-285750">
@@ -3155,7 +3131,7 @@
               <a:buFont typeface="Arial" panose="020B0604020202020204" pitchFamily="34" charset="0"/>
               <a:buChar char="•"/>
             </a:pPr>
-            <a:endParaRPr lang="pt-BR" altLang="en-US"/>
+            <a:endParaRPr lang="pt-BR" altLang="en-US" dirty="0"/>
           </a:p>
         </p:txBody>
       </p:sp>
@@ -3168,7 +3144,7 @@
           <p:nvPr/>
         </p:nvPicPr>
         <p:blipFill>
-          <a:blip r:embed="rId2"/>
+          <a:blip r:embed="rId3"/>
           <a:stretch>
             <a:fillRect/>
           </a:stretch>
@@ -3232,7 +3208,6 @@
               <a:rPr lang="pt-BR" dirty="0"/>
               <a:t>Função</a:t>
             </a:r>
-            <a:endParaRPr lang="pt-BR" dirty="0"/>
           </a:p>
         </p:txBody>
       </p:sp>
@@ -3247,7 +3222,7 @@
           </p:nvPr>
         </p:nvPicPr>
         <p:blipFill>
-          <a:blip r:embed="rId1"/>
+          <a:blip r:embed="rId2"/>
           <a:stretch>
             <a:fillRect/>
           </a:stretch>
@@ -3295,7 +3270,6 @@
               <a:rPr lang="pt-BR" altLang="en-US"/>
               <a:t>Diferentes tipos de funções</a:t>
             </a:r>
-            <a:endParaRPr lang="pt-BR" altLang="en-US"/>
           </a:p>
           <a:p>
             <a:pPr marL="1200150" lvl="2" indent="-285750">
@@ -3309,7 +3283,6 @@
               <a:rPr lang="pt-BR" altLang="en-US"/>
               <a:t>função interna:</a:t>
             </a:r>
-            <a:endParaRPr lang="pt-BR" altLang="en-US"/>
           </a:p>
           <a:p>
             <a:pPr marL="1200150" lvl="2" indent="-285750">
@@ -3323,7 +3296,6 @@
               <a:rPr lang="pt-BR" altLang="en-US"/>
               <a:t>Uma função interna é uma função dentro de outra função (quadrado nesse caso). Uma função externa é uma função contendo uma função (somaDosQuadrados nesse caso):</a:t>
             </a:r>
-            <a:endParaRPr lang="pt-BR" altLang="en-US"/>
           </a:p>
         </p:txBody>
       </p:sp>
@@ -3336,7 +3308,7 @@
           <p:nvPr/>
         </p:nvPicPr>
         <p:blipFill>
-          <a:blip r:embed="rId2"/>
+          <a:blip r:embed="rId3"/>
           <a:stretch>
             <a:fillRect/>
           </a:stretch>
@@ -3360,7 +3332,7 @@
           <p:nvPr/>
         </p:nvPicPr>
         <p:blipFill>
-          <a:blip r:embed="rId3"/>
+          <a:blip r:embed="rId4"/>
           <a:stretch>
             <a:fillRect/>
           </a:stretch>
@@ -3424,7 +3396,6 @@
               <a:rPr lang="pt-BR" dirty="0"/>
               <a:t>Função</a:t>
             </a:r>
-            <a:endParaRPr lang="pt-BR" dirty="0"/>
           </a:p>
         </p:txBody>
       </p:sp>
@@ -3439,7 +3410,7 @@
           </p:nvPr>
         </p:nvPicPr>
         <p:blipFill>
-          <a:blip r:embed="rId1"/>
+          <a:blip r:embed="rId2"/>
           <a:stretch>
             <a:fillRect/>
           </a:stretch>
@@ -3484,10 +3455,9 @@
               <a:buChar char="•"/>
             </a:pPr>
             <a:r>
-              <a:rPr lang="pt-BR" altLang="en-US"/>
+              <a:rPr lang="pt-BR" altLang="en-US" dirty="0"/>
               <a:t>Diferentes tipos de funções</a:t>
             </a:r>
-            <a:endParaRPr lang="pt-BR" altLang="en-US"/>
           </a:p>
           <a:p>
             <a:pPr marL="1200150" lvl="2" indent="-285750">
@@ -3498,10 +3468,9 @@
               <a:buChar char="•"/>
             </a:pPr>
             <a:r>
-              <a:rPr lang="pt-BR" altLang="en-US"/>
+              <a:rPr lang="pt-BR" altLang="en-US" dirty="0"/>
               <a:t>função recursiva:</a:t>
             </a:r>
-            <a:endParaRPr lang="pt-BR" altLang="en-US"/>
           </a:p>
           <a:p>
             <a:pPr marL="1657350" lvl="3" indent="-285750">
@@ -3512,10 +3481,9 @@
               <a:buChar char="•"/>
             </a:pPr>
             <a:r>
-              <a:rPr lang="pt-BR" altLang="en-US"/>
+              <a:rPr lang="pt-BR" altLang="en-US" dirty="0"/>
               <a:t>Uma função recursiva é uma função que invoca a si mesma:</a:t>
             </a:r>
-            <a:endParaRPr lang="pt-BR" altLang="en-US"/>
           </a:p>
           <a:p>
             <a:pPr marL="1657350" lvl="3" indent="-285750">
@@ -3525,7 +3493,7 @@
               <a:buFont typeface="Arial" panose="020B0604020202020204" pitchFamily="34" charset="0"/>
               <a:buChar char="•"/>
             </a:pPr>
-            <a:endParaRPr lang="pt-BR" altLang="en-US"/>
+            <a:endParaRPr lang="pt-BR" altLang="en-US" dirty="0"/>
           </a:p>
         </p:txBody>
       </p:sp>
@@ -3538,7 +3506,7 @@
           <p:nvPr/>
         </p:nvPicPr>
         <p:blipFill>
-          <a:blip r:embed="rId2"/>
+          <a:blip r:embed="rId3"/>
           <a:stretch>
             <a:fillRect/>
           </a:stretch>
@@ -3602,7 +3570,6 @@
               <a:rPr lang="pt-BR" dirty="0"/>
               <a:t>Função</a:t>
             </a:r>
-            <a:endParaRPr lang="pt-BR" dirty="0"/>
           </a:p>
         </p:txBody>
       </p:sp>
@@ -3617,7 +3584,7 @@
           </p:nvPr>
         </p:nvPicPr>
         <p:blipFill>
-          <a:blip r:embed="rId1"/>
+          <a:blip r:embed="rId2"/>
           <a:stretch>
             <a:fillRect/>
           </a:stretch>
@@ -3662,10 +3629,9 @@
               <a:buChar char="•"/>
             </a:pPr>
             <a:r>
-              <a:rPr lang="pt-BR" altLang="en-US"/>
+              <a:rPr lang="pt-BR" altLang="en-US" dirty="0"/>
               <a:t>Diferentes tipos de funções</a:t>
             </a:r>
-            <a:endParaRPr lang="pt-BR" altLang="en-US"/>
           </a:p>
           <a:p>
             <a:pPr marL="1200150" lvl="2" indent="-285750">
@@ -3676,10 +3642,9 @@
               <a:buChar char="•"/>
             </a:pPr>
             <a:r>
-              <a:rPr lang="pt-BR" altLang="en-US"/>
+              <a:rPr lang="pt-BR" altLang="en-US" dirty="0"/>
               <a:t>Expressão de Função Invocada Imediatamente (IIFE em Inglês):</a:t>
             </a:r>
-            <a:endParaRPr lang="pt-BR" altLang="en-US"/>
           </a:p>
           <a:p>
             <a:pPr marL="1200150" lvl="2" indent="-285750">
@@ -3690,10 +3655,9 @@
               <a:buChar char="•"/>
             </a:pPr>
             <a:r>
-              <a:rPr lang="pt-BR" altLang="en-US"/>
+              <a:rPr lang="pt-BR" altLang="en-US" dirty="0"/>
               <a:t>Uma Expressão de Função Invocada Imediatamente (IIFE em Inglês) é uma função que é invocada diretamente após a função ser carregada no compilador do navegador. A maneira de identificar um IIFE é localizar os parênteses extra esquerdo e direito no final da declaração da função.</a:t>
             </a:r>
-            <a:endParaRPr lang="pt-BR" altLang="en-US"/>
           </a:p>
         </p:txBody>
       </p:sp>
@@ -3706,7 +3670,7 @@
           <p:nvPr/>
         </p:nvPicPr>
         <p:blipFill>
-          <a:blip r:embed="rId2"/>
+          <a:blip r:embed="rId3"/>
           <a:stretch>
             <a:fillRect/>
           </a:stretch>
@@ -3730,7 +3694,7 @@
           <p:nvPr/>
         </p:nvPicPr>
         <p:blipFill>
-          <a:blip r:embed="rId3"/>
+          <a:blip r:embed="rId4"/>
           <a:stretch>
             <a:fillRect/>
           </a:stretch>
@@ -3794,7 +3758,6 @@
               <a:rPr lang="pt-BR" dirty="0"/>
               <a:t>Array</a:t>
             </a:r>
-            <a:endParaRPr lang="pt-BR" dirty="0"/>
           </a:p>
         </p:txBody>
       </p:sp>
@@ -3809,7 +3772,7 @@
           </p:nvPr>
         </p:nvPicPr>
         <p:blipFill>
-          <a:blip r:embed="rId1"/>
+          <a:blip r:embed="rId2"/>
           <a:stretch>
             <a:fillRect/>
           </a:stretch>
@@ -3857,7 +3820,6 @@
               <a:rPr lang="pt-BR" altLang="en-US"/>
               <a:t>Um array (arranjo, vetor, matriz) é um conjunto de dados (que pode assumir os mais diversos tipos, desde do tipo primitivo, a objeto dependendo da linguagem de programação). Arrays são utilizados para armazenar mais de um valor em uma única variável. Isso é comparável a uma variável que pode armazenar apenas um valor.</a:t>
             </a:r>
-            <a:endParaRPr lang="pt-BR" altLang="en-US"/>
           </a:p>
           <a:p>
             <a:pPr marL="285750" indent="-285750">
@@ -3871,7 +3833,6 @@
               <a:rPr lang="pt-BR" altLang="en-US"/>
               <a:t>Cada item do array tem um número ligado a ele, chamado de índice numérico, que permite acesso a cada "valor" armazenado na váriavel.</a:t>
             </a:r>
-            <a:endParaRPr lang="pt-BR" altLang="en-US"/>
           </a:p>
           <a:p>
             <a:pPr marL="285750" indent="-285750">
@@ -3885,7 +3846,6 @@
               <a:rPr lang="pt-BR" altLang="en-US"/>
               <a:t>Em JavaScript, um array começa no índice zero e pode ser manipulado a partir de vários métodos.</a:t>
             </a:r>
-            <a:endParaRPr lang="pt-BR" altLang="en-US"/>
           </a:p>
         </p:txBody>
       </p:sp>
@@ -3938,7 +3898,6 @@
               <a:rPr lang="pt-BR" dirty="0"/>
               <a:t>Array</a:t>
             </a:r>
-            <a:endParaRPr lang="pt-BR" dirty="0"/>
           </a:p>
         </p:txBody>
       </p:sp>
@@ -3953,7 +3912,7 @@
           </p:nvPr>
         </p:nvPicPr>
         <p:blipFill>
-          <a:blip r:embed="rId1"/>
+          <a:blip r:embed="rId2"/>
           <a:stretch>
             <a:fillRect/>
           </a:stretch>
@@ -4001,7 +3960,6 @@
               <a:rPr lang="pt-BR" altLang="en-US"/>
               <a:t>Exemplos de Array</a:t>
             </a:r>
-            <a:endParaRPr lang="pt-BR" altLang="en-US"/>
           </a:p>
           <a:p>
             <a:pPr marL="742950" lvl="1" indent="-285750">
@@ -4015,7 +3973,6 @@
               <a:rPr lang="pt-BR" altLang="en-US"/>
               <a:t>var myArray = [1, 2, 3, 4];</a:t>
             </a:r>
-            <a:endParaRPr lang="pt-BR" altLang="en-US"/>
           </a:p>
           <a:p>
             <a:pPr marL="742950" lvl="1" indent="-285750">
@@ -4039,7 +3996,6 @@
               <a:rPr lang="pt-BR" altLang="en-US"/>
               <a:t>var catNamesArray = ["Jacqueline", "Sophia", "Autumn"];</a:t>
             </a:r>
-            <a:endParaRPr lang="pt-BR" altLang="en-US"/>
           </a:p>
           <a:p>
             <a:pPr marL="742950" lvl="1" indent="-285750">
@@ -4063,7 +4019,6 @@
               <a:rPr lang="pt-BR" altLang="en-US"/>
               <a:t>//Um array em JavaScript pode conter vários tipos de dados, como mostrado acima.</a:t>
             </a:r>
-            <a:endParaRPr lang="pt-BR" altLang="en-US"/>
           </a:p>
         </p:txBody>
       </p:sp>
@@ -4116,7 +4071,6 @@
               <a:rPr lang="pt-BR" dirty="0"/>
               <a:t>Array</a:t>
             </a:r>
-            <a:endParaRPr lang="pt-BR" dirty="0"/>
           </a:p>
         </p:txBody>
       </p:sp>
@@ -4131,7 +4085,7 @@
           </p:nvPr>
         </p:nvPicPr>
         <p:blipFill>
-          <a:blip r:embed="rId1"/>
+          <a:blip r:embed="rId2"/>
           <a:stretch>
             <a:fillRect/>
           </a:stretch>
@@ -4179,7 +4133,6 @@
               <a:rPr lang="pt-BR" altLang="en-US"/>
               <a:t>Criar e Exibir dados de um Array</a:t>
             </a:r>
-            <a:endParaRPr lang="pt-BR" altLang="en-US"/>
           </a:p>
           <a:p>
             <a:pPr marL="742950" lvl="1" indent="-285750">
@@ -4202,7 +4155,7 @@
           <p:nvPr/>
         </p:nvPicPr>
         <p:blipFill>
-          <a:blip r:embed="rId2"/>
+          <a:blip r:embed="rId3"/>
           <a:stretch>
             <a:fillRect/>
           </a:stretch>
@@ -4266,7 +4219,6 @@
               <a:rPr lang="pt-BR" dirty="0"/>
               <a:t>Array</a:t>
             </a:r>
-            <a:endParaRPr lang="pt-BR" dirty="0"/>
           </a:p>
         </p:txBody>
       </p:sp>
@@ -4281,7 +4233,7 @@
           </p:nvPr>
         </p:nvPicPr>
         <p:blipFill>
-          <a:blip r:embed="rId1"/>
+          <a:blip r:embed="rId2"/>
           <a:stretch>
             <a:fillRect/>
           </a:stretch>
@@ -4329,37 +4281,12 @@
               <a:rPr lang="pt-BR" altLang="en-US"/>
               <a:t>Iterar um Array, ou seja, imprimir todos dados</a:t>
             </a:r>
-            <a:endParaRPr lang="pt-BR" altLang="en-US"/>
           </a:p>
         </p:txBody>
       </p:sp>
       <p:pic>
         <p:nvPicPr>
           <p:cNvPr id="6" name="Imagem 5"/>
-          <p:cNvPicPr>
-            <a:picLocks noChangeAspect="1"/>
-          </p:cNvPicPr>
-          <p:nvPr/>
-        </p:nvPicPr>
-        <p:blipFill>
-          <a:blip r:embed="rId2"/>
-          <a:stretch>
-            <a:fillRect/>
-          </a:stretch>
-        </p:blipFill>
-        <p:spPr>
-          <a:xfrm>
-            <a:off x="187960" y="2871470"/>
-            <a:ext cx="5362575" cy="1527810"/>
-          </a:xfrm>
-          <a:prstGeom prst="rect">
-            <a:avLst/>
-          </a:prstGeom>
-        </p:spPr>
-      </p:pic>
-      <p:pic>
-        <p:nvPicPr>
-          <p:cNvPr id="7" name="Imagem 6"/>
           <p:cNvPicPr>
             <a:picLocks noChangeAspect="1"/>
           </p:cNvPicPr>
@@ -4373,8 +4300,8 @@
         </p:blipFill>
         <p:spPr>
           <a:xfrm>
-            <a:off x="187960" y="4565650"/>
-            <a:ext cx="5362575" cy="2124075"/>
+            <a:off x="187960" y="2871470"/>
+            <a:ext cx="5362575" cy="1527810"/>
           </a:xfrm>
           <a:prstGeom prst="rect">
             <a:avLst/>
@@ -4383,7 +4310,7 @@
       </p:pic>
       <p:pic>
         <p:nvPicPr>
-          <p:cNvPr id="8" name="Imagem 7"/>
+          <p:cNvPr id="7" name="Imagem 6"/>
           <p:cNvPicPr>
             <a:picLocks noChangeAspect="1"/>
           </p:cNvPicPr>
@@ -4397,6 +4324,30 @@
         </p:blipFill>
         <p:spPr>
           <a:xfrm>
+            <a:off x="187960" y="4565650"/>
+            <a:ext cx="5362575" cy="2124075"/>
+          </a:xfrm>
+          <a:prstGeom prst="rect">
+            <a:avLst/>
+          </a:prstGeom>
+        </p:spPr>
+      </p:pic>
+      <p:pic>
+        <p:nvPicPr>
+          <p:cNvPr id="8" name="Imagem 7"/>
+          <p:cNvPicPr>
+            <a:picLocks noChangeAspect="1"/>
+          </p:cNvPicPr>
+          <p:nvPr/>
+        </p:nvPicPr>
+        <p:blipFill>
+          <a:blip r:embed="rId5"/>
+          <a:stretch>
+            <a:fillRect/>
+          </a:stretch>
+        </p:blipFill>
+        <p:spPr>
+          <a:xfrm>
             <a:off x="5664835" y="2871470"/>
             <a:ext cx="5334000" cy="1527810"/>
           </a:xfrm>
@@ -4425,6 +4376,7 @@
           <a:bodyPr wrap="square" rtlCol="0">
             <a:spAutoFit/>
           </a:bodyPr>
+          <a:lstStyle/>
           <a:p>
             <a:pPr marL="742950" lvl="1" indent="-285750">
               <a:lnSpc>
@@ -4437,7 +4389,6 @@
               <a:rPr lang="pt-BR" altLang="en-US"/>
               <a:t>Em todos os casos o resultado é</a:t>
             </a:r>
-            <a:endParaRPr lang="pt-BR" altLang="en-US"/>
           </a:p>
         </p:txBody>
       </p:sp>
@@ -4450,7 +4401,7 @@
           <p:nvPr/>
         </p:nvPicPr>
         <p:blipFill>
-          <a:blip r:embed="rId5"/>
+          <a:blip r:embed="rId6"/>
           <a:stretch>
             <a:fillRect/>
           </a:stretch>
@@ -4514,7 +4465,6 @@
               <a:rPr lang="pt-BR" dirty="0"/>
               <a:t>Função</a:t>
             </a:r>
-            <a:endParaRPr lang="pt-BR" dirty="0"/>
           </a:p>
         </p:txBody>
       </p:sp>
@@ -4529,7 +4479,7 @@
           </p:nvPr>
         </p:nvPicPr>
         <p:blipFill>
-          <a:blip r:embed="rId1"/>
+          <a:blip r:embed="rId2"/>
           <a:stretch>
             <a:fillRect/>
           </a:stretch>
@@ -4574,10 +4524,25 @@
               <a:buChar char="•"/>
             </a:pPr>
             <a:r>
-              <a:rPr lang="pt-BR" altLang="en-US"/>
-              <a:t>Funções são blocos de construção fundamentais em JavaScript. Uma função é um procedimento de JavaScript - um conjunto de instruções que executa uma tarefa ou calcula um valor. Para usar uma função, você deve defini-la em algum lugar no escopo do qual você quiser chamá-la.</a:t>
-            </a:r>
-            <a:endParaRPr lang="pt-BR" altLang="en-US"/>
+              <a:rPr lang="pt-BR" altLang="en-US" dirty="0"/>
+              <a:t>Funções são blocos de construção fundamentais em </a:t>
+            </a:r>
+            <a:r>
+              <a:rPr lang="pt-BR" altLang="en-US" dirty="0" err="1"/>
+              <a:t>JavaScript</a:t>
+            </a:r>
+            <a:r>
+              <a:rPr lang="pt-BR" altLang="en-US" dirty="0"/>
+              <a:t>. Uma função é um procedimento de </a:t>
+            </a:r>
+            <a:r>
+              <a:rPr lang="pt-BR" altLang="en-US" dirty="0" err="1"/>
+              <a:t>JavaScript</a:t>
+            </a:r>
+            <a:r>
+              <a:rPr lang="pt-BR" altLang="en-US" dirty="0"/>
+              <a:t> - um conjunto de instruções que executa uma tarefa ou calcula um valor. Para usar uma função, você deve defini-la em algum lugar no escopo do qual você quiser chamá-la.</a:t>
+            </a:r>
           </a:p>
           <a:p>
             <a:pPr marL="742950" lvl="1" indent="-285750">
@@ -4588,10 +4553,9 @@
               <a:buChar char="•"/>
             </a:pPr>
             <a:r>
-              <a:rPr lang="pt-BR" altLang="en-US"/>
+              <a:rPr lang="pt-BR" altLang="en-US" dirty="0"/>
               <a:t>O nome da função é um identificador declarado como parte de uma declaração de função ou expressão de função. O nome da função escopo depende se o nome da função é uma declaração ou expressão.</a:t>
             </a:r>
-            <a:endParaRPr lang="pt-BR" altLang="en-US"/>
           </a:p>
         </p:txBody>
       </p:sp>
@@ -4644,7 +4608,6 @@
               <a:rPr lang="pt-BR" dirty="0"/>
               <a:t>Função</a:t>
             </a:r>
-            <a:endParaRPr lang="pt-BR" dirty="0"/>
           </a:p>
         </p:txBody>
       </p:sp>
@@ -4659,7 +4622,7 @@
           </p:nvPr>
         </p:nvPicPr>
         <p:blipFill>
-          <a:blip r:embed="rId1"/>
+          <a:blip r:embed="rId2"/>
           <a:stretch>
             <a:fillRect/>
           </a:stretch>
@@ -4704,10 +4667,9 @@
               <a:buChar char="•"/>
             </a:pPr>
             <a:r>
-              <a:rPr lang="pt-BR" altLang="en-US"/>
+              <a:rPr lang="pt-BR" altLang="en-US" dirty="0"/>
               <a:t>Diferentes tipos de funções</a:t>
             </a:r>
-            <a:endParaRPr lang="pt-BR" altLang="en-US"/>
           </a:p>
           <a:p>
             <a:pPr marL="1200150" lvl="2" indent="-285750">
@@ -4718,10 +4680,9 @@
               <a:buChar char="•"/>
             </a:pPr>
             <a:r>
-              <a:rPr lang="pt-BR" altLang="en-US"/>
+              <a:rPr lang="pt-BR" altLang="en-US" dirty="0"/>
               <a:t>função anônima;</a:t>
             </a:r>
-            <a:endParaRPr lang="pt-BR" altLang="en-US"/>
           </a:p>
           <a:p>
             <a:pPr marL="1200150" lvl="2" indent="-285750">
@@ -4732,10 +4693,9 @@
               <a:buChar char="•"/>
             </a:pPr>
             <a:r>
-              <a:rPr lang="pt-BR" altLang="en-US"/>
+              <a:rPr lang="pt-BR" altLang="en-US" dirty="0"/>
               <a:t>função nomeada;</a:t>
             </a:r>
-            <a:endParaRPr lang="pt-BR" altLang="en-US"/>
           </a:p>
           <a:p>
             <a:pPr marL="1200150" lvl="2" indent="-285750">
@@ -4746,10 +4706,9 @@
               <a:buChar char="•"/>
             </a:pPr>
             <a:r>
-              <a:rPr lang="pt-BR" altLang="en-US"/>
+              <a:rPr lang="pt-BR" altLang="en-US" dirty="0"/>
               <a:t>função interna;</a:t>
             </a:r>
-            <a:endParaRPr lang="pt-BR" altLang="en-US"/>
           </a:p>
           <a:p>
             <a:pPr marL="1200150" lvl="2" indent="-285750">
@@ -4760,10 +4719,9 @@
               <a:buChar char="•"/>
             </a:pPr>
             <a:r>
-              <a:rPr lang="pt-BR" altLang="en-US"/>
+              <a:rPr lang="pt-BR" altLang="en-US" dirty="0"/>
               <a:t>função recursiva;</a:t>
             </a:r>
-            <a:endParaRPr lang="pt-BR" altLang="en-US"/>
           </a:p>
           <a:p>
             <a:pPr marL="1200150" lvl="2" indent="-285750">
@@ -4774,10 +4732,9 @@
               <a:buChar char="•"/>
             </a:pPr>
             <a:r>
-              <a:rPr lang="pt-BR" altLang="en-US"/>
+              <a:rPr lang="pt-BR" altLang="en-US" dirty="0"/>
               <a:t>Expressão de Função Invocada Imediatamente (IIFE em Inglês).</a:t>
             </a:r>
-            <a:endParaRPr lang="pt-BR" altLang="en-US"/>
           </a:p>
         </p:txBody>
       </p:sp>
@@ -4830,7 +4787,6 @@
               <a:rPr lang="pt-BR" dirty="0"/>
               <a:t>Função</a:t>
             </a:r>
-            <a:endParaRPr lang="pt-BR" dirty="0"/>
           </a:p>
         </p:txBody>
       </p:sp>
@@ -4845,7 +4801,7 @@
           </p:nvPr>
         </p:nvPicPr>
         <p:blipFill>
-          <a:blip r:embed="rId1"/>
+          <a:blip r:embed="rId2"/>
           <a:stretch>
             <a:fillRect/>
           </a:stretch>
@@ -4893,7 +4849,6 @@
               <a:rPr lang="pt-BR" altLang="en-US"/>
               <a:t>Diferentes tipos de funções</a:t>
             </a:r>
-            <a:endParaRPr lang="pt-BR" altLang="en-US"/>
           </a:p>
           <a:p>
             <a:pPr marL="1200150" lvl="2" indent="-285750">
@@ -4907,7 +4862,6 @@
               <a:rPr lang="pt-BR" altLang="en-US"/>
               <a:t>função nomeada;</a:t>
             </a:r>
-            <a:endParaRPr lang="pt-BR" altLang="en-US"/>
           </a:p>
           <a:p>
             <a:pPr lvl="3" indent="0">
@@ -4921,7 +4875,6 @@
               <a:rPr lang="pt-BR" altLang="en-US"/>
               <a:t>Uma função nomeada é uma função com o nome da função:</a:t>
             </a:r>
-            <a:endParaRPr lang="pt-BR" altLang="en-US"/>
           </a:p>
         </p:txBody>
       </p:sp>
@@ -4934,7 +4887,7 @@
           <p:nvPr/>
         </p:nvPicPr>
         <p:blipFill>
-          <a:blip r:embed="rId2"/>
+          <a:blip r:embed="rId3"/>
           <a:stretch>
             <a:fillRect/>
           </a:stretch>
@@ -4998,7 +4951,6 @@
               <a:rPr lang="pt-BR" dirty="0"/>
               <a:t>Função</a:t>
             </a:r>
-            <a:endParaRPr lang="pt-BR" dirty="0"/>
           </a:p>
         </p:txBody>
       </p:sp>
@@ -5013,7 +4965,7 @@
           </p:nvPr>
         </p:nvPicPr>
         <p:blipFill>
-          <a:blip r:embed="rId1"/>
+          <a:blip r:embed="rId2"/>
           <a:stretch>
             <a:fillRect/>
           </a:stretch>
@@ -5061,7 +5013,6 @@
               <a:rPr lang="pt-BR" altLang="en-US"/>
               <a:t>Diferentes tipos de funções</a:t>
             </a:r>
-            <a:endParaRPr lang="pt-BR" altLang="en-US"/>
           </a:p>
           <a:p>
             <a:pPr marL="1200150" lvl="2" indent="-285750">
@@ -5075,7 +5026,6 @@
               <a:rPr lang="pt-BR" altLang="en-US"/>
               <a:t>função anônima:</a:t>
             </a:r>
-            <a:endParaRPr lang="pt-BR" altLang="en-US"/>
           </a:p>
           <a:p>
             <a:pPr marL="1657350" lvl="3" indent="-285750">
@@ -5089,7 +5039,6 @@
               <a:rPr lang="pt-BR" altLang="en-US"/>
               <a:t>Uma função anônima é uma função sem o nome da função</a:t>
             </a:r>
-            <a:endParaRPr lang="pt-BR" altLang="en-US"/>
           </a:p>
           <a:p>
             <a:pPr marL="1657350" lvl="3" indent="-285750">
@@ -5112,7 +5061,7 @@
           <p:nvPr/>
         </p:nvPicPr>
         <p:blipFill>
-          <a:blip r:embed="rId2"/>
+          <a:blip r:embed="rId3"/>
           <a:stretch>
             <a:fillRect/>
           </a:stretch>
@@ -5386,6 +5335,8 @@
       </a:bgFillStyleLst>
     </a:fmtScheme>
   </a:themeElements>
+  <a:objectDefaults/>
+  <a:extraClrSchemeLst/>
   <a:extLst>
     <a:ext uri="{05A4C25C-085E-4340-85A3-A5531E510DB2}">
       <thm15:themeFamily xmlns:thm15="http://schemas.microsoft.com/office/thememl/2012/main" name="Office Theme" id="{62F939B6-93AF-4DB8-9C6B-D6C7DFDC589F}" vid="{4A3C46E8-61CC-4603-A589-7422A47A8E4A}"/>
